--- a/565-Final-Presentation.pptx
+++ b/565-Final-Presentation.pptx
@@ -327,6 +327,7 @@
           <a:p>
             <a:fld id="{DD908462-F254-4580-B5D4-AFAD250033A3}" type="datetimeFigureOut">
               <a:rPr lang="en-IN" smtClean="0"/>
+              <a:pPr/>
               <a:t>13-12-2013</a:t>
             </a:fld>
             <a:endParaRPr lang="en-IN"/>
@@ -359,6 +360,7 @@
           <a:p>
             <a:fld id="{7D33F093-559E-44CA-9F65-6047BAFC3308}" type="slidenum">
               <a:rPr lang="en-IN" smtClean="0"/>
+              <a:pPr/>
               <a:t>‹#›</a:t>
             </a:fld>
             <a:endParaRPr lang="en-IN"/>
@@ -513,6 +515,7 @@
           <a:p>
             <a:fld id="{DD908462-F254-4580-B5D4-AFAD250033A3}" type="datetimeFigureOut">
               <a:rPr lang="en-IN" smtClean="0"/>
+              <a:pPr/>
               <a:t>13-12-2013</a:t>
             </a:fld>
             <a:endParaRPr lang="en-IN"/>
@@ -536,6 +539,7 @@
           <a:p>
             <a:fld id="{7D33F093-559E-44CA-9F65-6047BAFC3308}" type="slidenum">
               <a:rPr lang="en-IN" smtClean="0"/>
+              <a:pPr/>
               <a:t>‹#›</a:t>
             </a:fld>
             <a:endParaRPr lang="en-IN"/>
@@ -695,6 +699,7 @@
           <a:p>
             <a:fld id="{DD908462-F254-4580-B5D4-AFAD250033A3}" type="datetimeFigureOut">
               <a:rPr lang="en-IN" smtClean="0"/>
+              <a:pPr/>
               <a:t>13-12-2013</a:t>
             </a:fld>
             <a:endParaRPr lang="en-IN"/>
@@ -718,6 +723,7 @@
           <a:p>
             <a:fld id="{7D33F093-559E-44CA-9F65-6047BAFC3308}" type="slidenum">
               <a:rPr lang="en-IN" smtClean="0"/>
+              <a:pPr/>
               <a:t>‹#›</a:t>
             </a:fld>
             <a:endParaRPr lang="en-IN"/>
@@ -888,6 +894,7 @@
           <a:p>
             <a:fld id="{DD908462-F254-4580-B5D4-AFAD250033A3}" type="datetimeFigureOut">
               <a:rPr lang="en-IN" smtClean="0"/>
+              <a:pPr/>
               <a:t>13-12-2013</a:t>
             </a:fld>
             <a:endParaRPr lang="en-IN"/>
@@ -911,6 +918,7 @@
           <a:p>
             <a:fld id="{7D33F093-559E-44CA-9F65-6047BAFC3308}" type="slidenum">
               <a:rPr lang="en-IN" smtClean="0"/>
+              <a:pPr/>
               <a:t>‹#›</a:t>
             </a:fld>
             <a:endParaRPr lang="en-IN"/>
@@ -1014,6 +1022,7 @@
           <a:p>
             <a:fld id="{DD908462-F254-4580-B5D4-AFAD250033A3}" type="datetimeFigureOut">
               <a:rPr lang="en-IN" smtClean="0"/>
+              <a:pPr/>
               <a:t>13-12-2013</a:t>
             </a:fld>
             <a:endParaRPr lang="en-IN"/>
@@ -1042,6 +1051,7 @@
           <a:p>
             <a:fld id="{7D33F093-559E-44CA-9F65-6047BAFC3308}" type="slidenum">
               <a:rPr lang="en-IN" smtClean="0"/>
+              <a:pPr/>
               <a:t>‹#›</a:t>
             </a:fld>
             <a:endParaRPr lang="en-IN"/>
@@ -1403,6 +1413,7 @@
           <a:p>
             <a:fld id="{DD908462-F254-4580-B5D4-AFAD250033A3}" type="datetimeFigureOut">
               <a:rPr lang="en-IN" smtClean="0"/>
+              <a:pPr/>
               <a:t>13-12-2013</a:t>
             </a:fld>
             <a:endParaRPr lang="en-IN"/>
@@ -1426,6 +1437,7 @@
           <a:p>
             <a:fld id="{7D33F093-559E-44CA-9F65-6047BAFC3308}" type="slidenum">
               <a:rPr lang="en-IN" smtClean="0"/>
+              <a:pPr/>
               <a:t>‹#›</a:t>
             </a:fld>
             <a:endParaRPr lang="en-IN"/>
@@ -1848,6 +1860,7 @@
           <a:p>
             <a:fld id="{DD908462-F254-4580-B5D4-AFAD250033A3}" type="datetimeFigureOut">
               <a:rPr lang="en-IN" smtClean="0"/>
+              <a:pPr/>
               <a:t>13-12-2013</a:t>
             </a:fld>
             <a:endParaRPr lang="en-IN"/>
@@ -1871,6 +1884,7 @@
           <a:p>
             <a:fld id="{7D33F093-559E-44CA-9F65-6047BAFC3308}" type="slidenum">
               <a:rPr lang="en-IN" smtClean="0"/>
+              <a:pPr/>
               <a:t>‹#›</a:t>
             </a:fld>
             <a:endParaRPr lang="en-IN"/>
@@ -1973,6 +1987,7 @@
           <a:p>
             <a:fld id="{DD908462-F254-4580-B5D4-AFAD250033A3}" type="datetimeFigureOut">
               <a:rPr lang="en-IN" smtClean="0"/>
+              <a:pPr/>
               <a:t>13-12-2013</a:t>
             </a:fld>
             <a:endParaRPr lang="en-IN"/>
@@ -1996,6 +2011,7 @@
           <a:p>
             <a:fld id="{7D33F093-559E-44CA-9F65-6047BAFC3308}" type="slidenum">
               <a:rPr lang="en-IN" smtClean="0"/>
+              <a:pPr/>
               <a:t>‹#›</a:t>
             </a:fld>
             <a:endParaRPr lang="en-IN"/>
@@ -2070,6 +2086,7 @@
           <a:p>
             <a:fld id="{DD908462-F254-4580-B5D4-AFAD250033A3}" type="datetimeFigureOut">
               <a:rPr lang="en-IN" smtClean="0"/>
+              <a:pPr/>
               <a:t>13-12-2013</a:t>
             </a:fld>
             <a:endParaRPr lang="en-IN"/>
@@ -2093,6 +2110,7 @@
           <a:p>
             <a:fld id="{7D33F093-559E-44CA-9F65-6047BAFC3308}" type="slidenum">
               <a:rPr lang="en-IN" smtClean="0"/>
+              <a:pPr/>
               <a:t>‹#›</a:t>
             </a:fld>
             <a:endParaRPr lang="en-IN"/>
@@ -2361,6 +2379,7 @@
           <a:p>
             <a:fld id="{DD908462-F254-4580-B5D4-AFAD250033A3}" type="datetimeFigureOut">
               <a:rPr lang="en-IN" smtClean="0"/>
+              <a:pPr/>
               <a:t>13-12-2013</a:t>
             </a:fld>
             <a:endParaRPr lang="en-IN"/>
@@ -2384,6 +2403,7 @@
           <a:p>
             <a:fld id="{7D33F093-559E-44CA-9F65-6047BAFC3308}" type="slidenum">
               <a:rPr lang="en-IN" smtClean="0"/>
+              <a:pPr/>
               <a:t>‹#›</a:t>
             </a:fld>
             <a:endParaRPr lang="en-IN"/>
@@ -2630,6 +2650,7 @@
           <a:p>
             <a:fld id="{DD908462-F254-4580-B5D4-AFAD250033A3}" type="datetimeFigureOut">
               <a:rPr lang="en-IN" smtClean="0"/>
+              <a:pPr/>
               <a:t>13-12-2013</a:t>
             </a:fld>
             <a:endParaRPr lang="en-IN"/>
@@ -2653,6 +2674,7 @@
           <a:p>
             <a:fld id="{7D33F093-559E-44CA-9F65-6047BAFC3308}" type="slidenum">
               <a:rPr lang="en-IN" smtClean="0"/>
+              <a:pPr/>
               <a:t>‹#›</a:t>
             </a:fld>
             <a:endParaRPr lang="en-IN"/>
@@ -2870,6 +2892,7 @@
           <a:p>
             <a:fld id="{7D33F093-559E-44CA-9F65-6047BAFC3308}" type="slidenum">
               <a:rPr lang="en-IN" smtClean="0"/>
+              <a:pPr/>
               <a:t>‹#›</a:t>
             </a:fld>
             <a:endParaRPr lang="en-IN"/>
@@ -2912,6 +2935,7 @@
           <a:p>
             <a:fld id="{DD908462-F254-4580-B5D4-AFAD250033A3}" type="datetimeFigureOut">
               <a:rPr lang="en-IN" smtClean="0"/>
+              <a:pPr/>
               <a:t>13-12-2013</a:t>
             </a:fld>
             <a:endParaRPr lang="en-IN"/>
@@ -3400,11 +3424,7 @@
             </a:r>
             <a:r>
               <a:rPr lang="en-IN" dirty="0" smtClean="0"/>
-              <a:t> </a:t>
-            </a:r>
-            <a:r>
-              <a:rPr lang="en-IN" dirty="0" smtClean="0"/>
-              <a:t>for Real-Time Global Illumination</a:t>
+              <a:t> for Real-Time Global Illumination</a:t>
             </a:r>
             <a:endParaRPr lang="en-IN" dirty="0"/>
           </a:p>
@@ -3413,7 +3433,7 @@
     </p:spTree>
     <p:extLst>
       <p:ext uri="{BB962C8B-B14F-4D97-AF65-F5344CB8AC3E}">
-        <p14:creationId xmlns:p14="http://schemas.microsoft.com/office/powerpoint/2010/main" val="1679185699"/>
+        <p14:creationId xmlns:p14="http://schemas.microsoft.com/office/powerpoint/2010/main" xmlns="" val="1679185699"/>
       </p:ext>
     </p:extLst>
   </p:cSld>
@@ -3484,7 +3504,6 @@
               <a:rPr lang="en-IN" dirty="0"/>
               <a:t>Support for texturing</a:t>
             </a:r>
-            <a:endParaRPr lang="en-IN" dirty="0"/>
           </a:p>
         </p:txBody>
       </p:sp>
@@ -3510,7 +3529,7 @@
           <a:p>
             <a:r>
               <a:rPr lang="en-IN" dirty="0" smtClean="0"/>
-              <a:t>Extensions</a:t>
+              <a:t>Extensions/Future work</a:t>
             </a:r>
             <a:endParaRPr lang="en-IN" dirty="0"/>
           </a:p>
@@ -3519,7 +3538,7 @@
     </p:spTree>
     <p:extLst>
       <p:ext uri="{BB962C8B-B14F-4D97-AF65-F5344CB8AC3E}">
-        <p14:creationId xmlns:p14="http://schemas.microsoft.com/office/powerpoint/2010/main" val="3222014648"/>
+        <p14:creationId xmlns:p14="http://schemas.microsoft.com/office/powerpoint/2010/main" xmlns="" val="3222014648"/>
       </p:ext>
     </p:extLst>
   </p:cSld>
@@ -3611,7 +3630,7 @@
     </p:spTree>
     <p:extLst>
       <p:ext uri="{BB962C8B-B14F-4D97-AF65-F5344CB8AC3E}">
-        <p14:creationId xmlns:p14="http://schemas.microsoft.com/office/powerpoint/2010/main" val="1612188498"/>
+        <p14:creationId xmlns:p14="http://schemas.microsoft.com/office/powerpoint/2010/main" xmlns="" val="1612188498"/>
       </p:ext>
     </p:extLst>
   </p:cSld>
@@ -3715,7 +3734,7 @@
     </p:spTree>
     <p:extLst>
       <p:ext uri="{BB962C8B-B14F-4D97-AF65-F5344CB8AC3E}">
-        <p14:creationId xmlns:p14="http://schemas.microsoft.com/office/powerpoint/2010/main" val="3051882829"/>
+        <p14:creationId xmlns:p14="http://schemas.microsoft.com/office/powerpoint/2010/main" xmlns="" val="3051882829"/>
       </p:ext>
     </p:extLst>
   </p:cSld>
@@ -3765,19 +3784,7 @@
           <a:p>
             <a:r>
               <a:rPr lang="en-IN" dirty="0" smtClean="0"/>
-              <a:t>Use the </a:t>
-            </a:r>
-            <a:r>
-              <a:rPr lang="en-IN" dirty="0" smtClean="0"/>
-              <a:t>forward </a:t>
-            </a:r>
-            <a:r>
-              <a:rPr lang="en-IN" dirty="0" smtClean="0"/>
-              <a:t>shader to render the </a:t>
-            </a:r>
-            <a:r>
-              <a:rPr lang="en-IN" dirty="0" smtClean="0"/>
-              <a:t>scene, iterating over each of the point lights (virtual and actual), sum up the contributions of all the lights to obtain the final image.</a:t>
+              <a:t>Use the forward shader to render the scene, iterating over each of the point lights (virtual and actual), sum up the contributions of all the lights to obtain the final image.</a:t>
             </a:r>
           </a:p>
           <a:p>
@@ -3785,7 +3792,6 @@
               <a:rPr lang="en-IN" dirty="0" smtClean="0"/>
               <a:t>Shadow maps to support shadowing due to the actual light source.</a:t>
             </a:r>
-            <a:endParaRPr lang="en-IN" dirty="0" smtClean="0"/>
           </a:p>
         </p:txBody>
       </p:sp>
@@ -3815,7 +3821,7 @@
     </p:spTree>
     <p:extLst>
       <p:ext uri="{BB962C8B-B14F-4D97-AF65-F5344CB8AC3E}">
-        <p14:creationId xmlns:p14="http://schemas.microsoft.com/office/powerpoint/2010/main" val="2091366940"/>
+        <p14:creationId xmlns:p14="http://schemas.microsoft.com/office/powerpoint/2010/main" xmlns="" val="2091366940"/>
       </p:ext>
     </p:extLst>
   </p:cSld>
@@ -3942,10 +3948,10 @@
           </p:nvPr>
         </p:nvPicPr>
         <p:blipFill>
-          <a:blip r:embed="rId2">
+          <a:blip r:embed="rId2" cstate="print">
             <a:extLst>
               <a:ext uri="{28A0092B-C50C-407E-A947-70E740481C1C}">
-                <a14:useLocalDpi xmlns:a14="http://schemas.microsoft.com/office/drawing/2010/main" val="0"/>
+                <a14:useLocalDpi xmlns:a14="http://schemas.microsoft.com/office/drawing/2010/main" xmlns="" val="0"/>
               </a:ext>
             </a:extLst>
           </a:blip>
@@ -3963,7 +3969,7 @@
     </p:spTree>
     <p:extLst>
       <p:ext uri="{BB962C8B-B14F-4D97-AF65-F5344CB8AC3E}">
-        <p14:creationId xmlns:p14="http://schemas.microsoft.com/office/powerpoint/2010/main" val="2550168297"/>
+        <p14:creationId xmlns:p14="http://schemas.microsoft.com/office/powerpoint/2010/main" xmlns="" val="2550168297"/>
       </p:ext>
     </p:extLst>
   </p:cSld>
@@ -4090,10 +4096,10 @@
           </p:nvPr>
         </p:nvPicPr>
         <p:blipFill>
-          <a:blip r:embed="rId2">
+          <a:blip r:embed="rId2" cstate="print">
             <a:extLst>
               <a:ext uri="{28A0092B-C50C-407E-A947-70E740481C1C}">
-                <a14:useLocalDpi xmlns:a14="http://schemas.microsoft.com/office/drawing/2010/main" val="0"/>
+                <a14:useLocalDpi xmlns:a14="http://schemas.microsoft.com/office/drawing/2010/main" xmlns="" val="0"/>
               </a:ext>
             </a:extLst>
           </a:blip>
@@ -4111,7 +4117,7 @@
     </p:spTree>
     <p:extLst>
       <p:ext uri="{BB962C8B-B14F-4D97-AF65-F5344CB8AC3E}">
-        <p14:creationId xmlns:p14="http://schemas.microsoft.com/office/powerpoint/2010/main" val="969872658"/>
+        <p14:creationId xmlns:p14="http://schemas.microsoft.com/office/powerpoint/2010/main" xmlns="" val="969872658"/>
       </p:ext>
     </p:extLst>
   </p:cSld>
@@ -4241,7 +4247,7 @@
           <a:blip r:embed="rId2" cstate="print">
             <a:extLst>
               <a:ext uri="{28A0092B-C50C-407E-A947-70E740481C1C}">
-                <a14:useLocalDpi xmlns:a14="http://schemas.microsoft.com/office/drawing/2010/main" val="0"/>
+                <a14:useLocalDpi xmlns:a14="http://schemas.microsoft.com/office/drawing/2010/main" xmlns="" val="0"/>
               </a:ext>
             </a:extLst>
           </a:blip>
@@ -4259,7 +4265,7 @@
     </p:spTree>
     <p:extLst>
       <p:ext uri="{BB962C8B-B14F-4D97-AF65-F5344CB8AC3E}">
-        <p14:creationId xmlns:p14="http://schemas.microsoft.com/office/powerpoint/2010/main" val="916826768"/>
+        <p14:creationId xmlns:p14="http://schemas.microsoft.com/office/powerpoint/2010/main" xmlns="" val="916826768"/>
       </p:ext>
     </p:extLst>
   </p:cSld>
@@ -4386,10 +4392,10 @@
           </p:nvPr>
         </p:nvPicPr>
         <p:blipFill>
-          <a:blip r:embed="rId2">
+          <a:blip r:embed="rId2" cstate="print">
             <a:extLst>
               <a:ext uri="{28A0092B-C50C-407E-A947-70E740481C1C}">
-                <a14:useLocalDpi xmlns:a14="http://schemas.microsoft.com/office/drawing/2010/main" val="0"/>
+                <a14:useLocalDpi xmlns:a14="http://schemas.microsoft.com/office/drawing/2010/main" xmlns="" val="0"/>
               </a:ext>
             </a:extLst>
           </a:blip>
@@ -4407,7 +4413,7 @@
     </p:spTree>
     <p:extLst>
       <p:ext uri="{BB962C8B-B14F-4D97-AF65-F5344CB8AC3E}">
-        <p14:creationId xmlns:p14="http://schemas.microsoft.com/office/powerpoint/2010/main" val="3002578401"/>
+        <p14:creationId xmlns:p14="http://schemas.microsoft.com/office/powerpoint/2010/main" xmlns="" val="3002578401"/>
       </p:ext>
     </p:extLst>
   </p:cSld>
@@ -4491,7 +4497,7 @@
     </p:spTree>
     <p:extLst>
       <p:ext uri="{BB962C8B-B14F-4D97-AF65-F5344CB8AC3E}">
-        <p14:creationId xmlns:p14="http://schemas.microsoft.com/office/powerpoint/2010/main" val="2490575456"/>
+        <p14:creationId xmlns:p14="http://schemas.microsoft.com/office/powerpoint/2010/main" xmlns="" val="2490575456"/>
       </p:ext>
     </p:extLst>
   </p:cSld>
@@ -4547,7 +4553,19 @@
             <a:pPr lvl="1"/>
             <a:r>
               <a:rPr lang="en-IN" dirty="0" smtClean="0"/>
-              <a:t>Compute Shader returned invalid results</a:t>
+              <a:t>Compute </a:t>
+            </a:r>
+            <a:r>
+              <a:rPr lang="en-IN" dirty="0" err="1" smtClean="0"/>
+              <a:t>Shaders</a:t>
+            </a:r>
+            <a:r>
+              <a:rPr lang="en-IN" dirty="0" smtClean="0"/>
+              <a:t> </a:t>
+            </a:r>
+            <a:r>
+              <a:rPr lang="en-IN" dirty="0" smtClean="0"/>
+              <a:t>returned invalid results</a:t>
             </a:r>
           </a:p>
           <a:p>
@@ -4639,7 +4657,7 @@
     </p:spTree>
     <p:extLst>
       <p:ext uri="{BB962C8B-B14F-4D97-AF65-F5344CB8AC3E}">
-        <p14:creationId xmlns:p14="http://schemas.microsoft.com/office/powerpoint/2010/main" val="870170052"/>
+        <p14:creationId xmlns:p14="http://schemas.microsoft.com/office/powerpoint/2010/main" xmlns="" val="870170052"/>
       </p:ext>
     </p:extLst>
   </p:cSld>
